--- a/discrete entry to narrative references.pptx
+++ b/discrete entry to narrative references.pptx
@@ -5,19 +5,20 @@
     <p:sldMasterId id="2147483648" r:id="rId4"/>
   </p:sldMasterIdLst>
   <p:notesMasterIdLst>
-    <p:notesMasterId r:id="rId15"/>
+    <p:notesMasterId r:id="rId16"/>
   </p:notesMasterIdLst>
   <p:sldIdLst>
     <p:sldId id="262" r:id="rId5"/>
-    <p:sldId id="269" r:id="rId6"/>
-    <p:sldId id="270" r:id="rId7"/>
-    <p:sldId id="263" r:id="rId8"/>
-    <p:sldId id="264" r:id="rId9"/>
-    <p:sldId id="265" r:id="rId10"/>
-    <p:sldId id="266" r:id="rId11"/>
-    <p:sldId id="267" r:id="rId12"/>
-    <p:sldId id="268" r:id="rId13"/>
-    <p:sldId id="271" r:id="rId14"/>
+    <p:sldId id="272" r:id="rId6"/>
+    <p:sldId id="269" r:id="rId7"/>
+    <p:sldId id="270" r:id="rId8"/>
+    <p:sldId id="263" r:id="rId9"/>
+    <p:sldId id="264" r:id="rId10"/>
+    <p:sldId id="265" r:id="rId11"/>
+    <p:sldId id="266" r:id="rId12"/>
+    <p:sldId id="267" r:id="rId13"/>
+    <p:sldId id="268" r:id="rId14"/>
+    <p:sldId id="271" r:id="rId15"/>
   </p:sldIdLst>
   <p:sldSz cx="9144000" cy="5143500" type="screen16x9"/>
   <p:notesSz cx="6858000" cy="9144000"/>
@@ -236,7 +237,7 @@
           <a:p>
             <a:fld id="{B9049C79-87F0-4923-B192-65F4F83F3402}" type="datetimeFigureOut">
               <a:rPr lang="en-US" smtClean="0"/>
-              <a:t>10/20/2016</a:t>
+              <a:t>11/3/2016</a:t>
             </a:fld>
             <a:endParaRPr lang="en-US" dirty="0"/>
           </a:p>
@@ -1985,14 +1986,14 @@
           </a:ln>
           <a:extLst>
             <a:ext uri="{909E8E84-426E-40dd-AFC4-6F175D3DCCD1}">
-              <a14:hiddenFill xmlns="" xmlns:a14="http://schemas.microsoft.com/office/drawing/2010/main">
+              <a14:hiddenFill xmlns:a14="http://schemas.microsoft.com/office/drawing/2010/main" xmlns="">
                 <a:solidFill>
                   <a:srgbClr val="FFFFFF"/>
                 </a:solidFill>
               </a14:hiddenFill>
             </a:ext>
             <a:ext uri="{91240B29-F687-4f45-9708-019B960494DF}">
-              <a14:hiddenLine xmlns="" xmlns:a14="http://schemas.microsoft.com/office/drawing/2010/main" w="9525">
+              <a14:hiddenLine xmlns:a14="http://schemas.microsoft.com/office/drawing/2010/main" xmlns="" w="9525">
                 <a:solidFill>
                   <a:srgbClr val="000000"/>
                 </a:solidFill>
@@ -2028,17 +2029,17 @@
           </a:ln>
           <a:extLst>
             <a:ext uri="{FAA26D3D-D897-4be2-8F04-BA451C77F1D7}">
-              <ma14:placeholderFlag xmlns="" xmlns:ma14="http://schemas.microsoft.com/office/mac/drawingml/2011/main" val="1"/>
+              <ma14:placeholderFlag xmlns:ma14="http://schemas.microsoft.com/office/mac/drawingml/2011/main" xmlns="" val="1"/>
             </a:ext>
             <a:ext uri="{909E8E84-426E-40dd-AFC4-6F175D3DCCD1}">
-              <a14:hiddenFill xmlns="" xmlns:a14="http://schemas.microsoft.com/office/drawing/2010/main">
+              <a14:hiddenFill xmlns:a14="http://schemas.microsoft.com/office/drawing/2010/main" xmlns="">
                 <a:solidFill>
                   <a:srgbClr val="FFFFFF"/>
                 </a:solidFill>
               </a14:hiddenFill>
             </a:ext>
             <a:ext uri="{91240B29-F687-4f45-9708-019B960494DF}">
-              <a14:hiddenLine xmlns="" xmlns:a14="http://schemas.microsoft.com/office/drawing/2010/main" w="9525">
+              <a14:hiddenLine xmlns:a14="http://schemas.microsoft.com/office/drawing/2010/main" xmlns="" w="9525">
                 <a:solidFill>
                   <a:srgbClr val="000000"/>
                 </a:solidFill>
@@ -2090,17 +2091,17 @@
           </a:ln>
           <a:extLst>
             <a:ext uri="{FAA26D3D-D897-4be2-8F04-BA451C77F1D7}">
-              <ma14:placeholderFlag xmlns="" xmlns:ma14="http://schemas.microsoft.com/office/mac/drawingml/2011/main" val="1"/>
+              <ma14:placeholderFlag xmlns:ma14="http://schemas.microsoft.com/office/mac/drawingml/2011/main" xmlns="" val="1"/>
             </a:ext>
             <a:ext uri="{909E8E84-426E-40dd-AFC4-6F175D3DCCD1}">
-              <a14:hiddenFill xmlns="" xmlns:a14="http://schemas.microsoft.com/office/drawing/2010/main">
+              <a14:hiddenFill xmlns:a14="http://schemas.microsoft.com/office/drawing/2010/main" xmlns="">
                 <a:solidFill>
                   <a:srgbClr val="FFFFFF"/>
                 </a:solidFill>
               </a14:hiddenFill>
             </a:ext>
             <a:ext uri="{91240B29-F687-4f45-9708-019B960494DF}">
-              <a14:hiddenLine xmlns="" xmlns:a14="http://schemas.microsoft.com/office/drawing/2010/main" w="9525">
+              <a14:hiddenLine xmlns:a14="http://schemas.microsoft.com/office/drawing/2010/main" xmlns="" w="9525">
                 <a:solidFill>
                   <a:srgbClr val="000000"/>
                 </a:solidFill>
@@ -2372,14 +2373,14 @@
           </a:ln>
           <a:extLst>
             <a:ext uri="{909E8E84-426E-40dd-AFC4-6F175D3DCCD1}">
-              <a14:hiddenFill xmlns="" xmlns:a14="http://schemas.microsoft.com/office/drawing/2010/main">
+              <a14:hiddenFill xmlns:a14="http://schemas.microsoft.com/office/drawing/2010/main" xmlns="">
                 <a:solidFill>
                   <a:srgbClr val="FFFFFF"/>
                 </a:solidFill>
               </a14:hiddenFill>
             </a:ext>
             <a:ext uri="{91240B29-F687-4f45-9708-019B960494DF}">
-              <a14:hiddenLine xmlns="" xmlns:a14="http://schemas.microsoft.com/office/drawing/2010/main" w="9525">
+              <a14:hiddenLine xmlns:a14="http://schemas.microsoft.com/office/drawing/2010/main" xmlns="" w="9525">
                 <a:solidFill>
                   <a:srgbClr val="000000"/>
                 </a:solidFill>
@@ -3177,6 +3178,282 @@
           <a:lstStyle/>
           <a:p>
             <a:r>
+              <a:rPr lang="en-US" b="1" dirty="0"/>
+              <a:t>RESULTS</a:t>
+            </a:r>
+            <a:endParaRPr lang="en-US" dirty="0"/>
+          </a:p>
+        </p:txBody>
+      </p:sp>
+      <p:graphicFrame>
+        <p:nvGraphicFramePr>
+          <p:cNvPr id="4" name="Table 3"/>
+          <p:cNvGraphicFramePr>
+            <a:graphicFrameLocks noGrp="1"/>
+          </p:cNvGraphicFramePr>
+          <p:nvPr>
+            <p:extLst>
+              <p:ext uri="{D42A27DB-BD31-4B8C-83A1-F6EECF244321}">
+                <p14:modId xmlns:p14="http://schemas.microsoft.com/office/powerpoint/2010/main" val="314547665"/>
+              </p:ext>
+            </p:extLst>
+          </p:nvPr>
+        </p:nvGraphicFramePr>
+        <p:xfrm>
+          <a:off x="457200" y="1624417"/>
+          <a:ext cx="8346264" cy="2296160"/>
+        </p:xfrm>
+        <a:graphic>
+          <a:graphicData uri="http://schemas.openxmlformats.org/drawingml/2006/table">
+            <a:tbl>
+              <a:tblPr firstRow="1" bandRow="1">
+                <a:tableStyleId>{5C22544A-7EE6-4342-B048-85BDC9FD1C3A}</a:tableStyleId>
+              </a:tblPr>
+              <a:tblGrid>
+                <a:gridCol w="5628290"/>
+                <a:gridCol w="1330609"/>
+                <a:gridCol w="1387365"/>
+              </a:tblGrid>
+              <a:tr h="370840">
+                <a:tc>
+                  <a:txBody>
+                    <a:bodyPr/>
+                    <a:lstStyle/>
+                    <a:p>
+                      <a:r>
+                        <a:rPr lang="en-US" dirty="0" smtClean="0"/>
+                        <a:t>text/reference</a:t>
+                      </a:r>
+                      <a:endParaRPr lang="en-US" dirty="0"/>
+                    </a:p>
+                  </a:txBody>
+                  <a:tcPr/>
+                </a:tc>
+                <a:tc>
+                  <a:txBody>
+                    <a:bodyPr/>
+                    <a:lstStyle/>
+                    <a:p>
+                      <a:r>
+                        <a:rPr lang="en-US" dirty="0" smtClean="0"/>
+                        <a:t>originalText</a:t>
+                      </a:r>
+                      <a:endParaRPr lang="en-US" dirty="0"/>
+                    </a:p>
+                  </a:txBody>
+                  <a:tcPr/>
+                </a:tc>
+                <a:tc>
+                  <a:txBody>
+                    <a:bodyPr/>
+                    <a:lstStyle/>
+                    <a:p>
+                      <a:r>
+                        <a:rPr lang="en-US" dirty="0" smtClean="0"/>
+                        <a:t>@displayName</a:t>
+                      </a:r>
+                      <a:endParaRPr lang="en-US" dirty="0"/>
+                    </a:p>
+                  </a:txBody>
+                  <a:tcPr/>
+                </a:tc>
+              </a:tr>
+              <a:tr h="370840">
+                <a:tc>
+                  <a:txBody>
+                    <a:bodyPr/>
+                    <a:lstStyle/>
+                    <a:p>
+                      <a:r>
+                        <a:rPr lang="en-US" dirty="0" smtClean="0"/>
+                        <a:t>Na 140 mmol/L Normal 135-145 mmol/L</a:t>
+                      </a:r>
+                      <a:endParaRPr lang="en-US" dirty="0"/>
+                    </a:p>
+                  </a:txBody>
+                  <a:tcPr/>
+                </a:tc>
+                <a:tc>
+                  <a:txBody>
+                    <a:bodyPr/>
+                    <a:lstStyle/>
+                    <a:p>
+                      <a:r>
+                        <a:rPr lang="en-US" dirty="0" smtClean="0"/>
+                        <a:t>Na</a:t>
+                      </a:r>
+                      <a:endParaRPr lang="en-US" dirty="0"/>
+                    </a:p>
+                  </a:txBody>
+                  <a:tcPr/>
+                </a:tc>
+                <a:tc>
+                  <a:txBody>
+                    <a:bodyPr/>
+                    <a:lstStyle/>
+                    <a:p>
+                      <a:r>
+                        <a:rPr lang="nl-NL" dirty="0" smtClean="0"/>
+                        <a:t>Sodium [Moles/​volume] in Blood</a:t>
+                      </a:r>
+                      <a:endParaRPr lang="en-US" dirty="0"/>
+                    </a:p>
+                  </a:txBody>
+                  <a:tcPr/>
+                </a:tc>
+              </a:tr>
+              <a:tr h="370840">
+                <a:tc>
+                  <a:txBody>
+                    <a:bodyPr/>
+                    <a:lstStyle/>
+                    <a:p>
+                      <a:endParaRPr lang="en-US" dirty="0"/>
+                    </a:p>
+                  </a:txBody>
+                  <a:tcPr/>
+                </a:tc>
+                <a:tc>
+                  <a:txBody>
+                    <a:bodyPr/>
+                    <a:lstStyle/>
+                    <a:p>
+                      <a:endParaRPr lang="en-US" dirty="0"/>
+                    </a:p>
+                  </a:txBody>
+                  <a:tcPr/>
+                </a:tc>
+                <a:tc>
+                  <a:txBody>
+                    <a:bodyPr/>
+                    <a:lstStyle/>
+                    <a:p>
+                      <a:endParaRPr lang="en-US" dirty="0"/>
+                    </a:p>
+                  </a:txBody>
+                  <a:tcPr/>
+                </a:tc>
+              </a:tr>
+              <a:tr h="370840">
+                <a:tc>
+                  <a:txBody>
+                    <a:bodyPr/>
+                    <a:lstStyle/>
+                    <a:p>
+                      <a:endParaRPr lang="en-US" dirty="0"/>
+                    </a:p>
+                  </a:txBody>
+                  <a:tcPr/>
+                </a:tc>
+                <a:tc>
+                  <a:txBody>
+                    <a:bodyPr/>
+                    <a:lstStyle/>
+                    <a:p>
+                      <a:endParaRPr lang="en-US" dirty="0"/>
+                    </a:p>
+                  </a:txBody>
+                  <a:tcPr/>
+                </a:tc>
+                <a:tc>
+                  <a:txBody>
+                    <a:bodyPr/>
+                    <a:lstStyle/>
+                    <a:p>
+                      <a:endParaRPr lang="en-US" dirty="0"/>
+                    </a:p>
+                  </a:txBody>
+                  <a:tcPr/>
+                </a:tc>
+              </a:tr>
+            </a:tbl>
+          </a:graphicData>
+        </a:graphic>
+      </p:graphicFrame>
+      <p:sp>
+        <p:nvSpPr>
+          <p:cNvPr id="3" name="TextBox 2"/>
+          <p:cNvSpPr txBox="1"/>
+          <p:nvPr/>
+        </p:nvSpPr>
+        <p:spPr>
+          <a:xfrm>
+            <a:off x="542925" y="992981"/>
+            <a:ext cx="6417783" cy="461665"/>
+          </a:xfrm>
+          <a:prstGeom prst="rect">
+            <a:avLst/>
+          </a:prstGeom>
+          <a:noFill/>
+        </p:spPr>
+        <p:txBody>
+          <a:bodyPr wrap="none" rtlCol="0">
+            <a:spAutoFit/>
+          </a:bodyPr>
+          <a:lstStyle/>
+          <a:p>
+            <a:r>
+              <a:rPr lang="en-US" dirty="0">
+                <a:hlinkClick r:id="rId2"/>
+              </a:rPr>
+              <a:t>Basic Metabolic Panel with Troponin Example</a:t>
+            </a:r>
+            <a:endParaRPr lang="en-US" dirty="0" smtClean="0">
+              <a:solidFill>
+                <a:srgbClr val="000000"/>
+              </a:solidFill>
+              <a:latin typeface="Tw Cen MT"/>
+              <a:cs typeface="Tw Cen MT"/>
+            </a:endParaRPr>
+          </a:p>
+        </p:txBody>
+      </p:sp>
+    </p:spTree>
+    <p:extLst>
+      <p:ext uri="{BB962C8B-B14F-4D97-AF65-F5344CB8AC3E}">
+        <p14:creationId xmlns:p14="http://schemas.microsoft.com/office/powerpoint/2010/main" val="3230154264"/>
+      </p:ext>
+    </p:extLst>
+  </p:cSld>
+  <p:clrMapOvr>
+    <a:masterClrMapping/>
+  </p:clrMapOvr>
+</p:sld>
+</file>
+
+<file path=ppt/slides/slide11.xml><?xml version="1.0" encoding="utf-8"?>
+<p:sld xmlns:a="http://schemas.openxmlformats.org/drawingml/2006/main" xmlns:r="http://schemas.openxmlformats.org/officeDocument/2006/relationships" xmlns:p="http://schemas.openxmlformats.org/presentationml/2006/main">
+  <p:cSld>
+    <p:spTree>
+      <p:nvGrpSpPr>
+        <p:cNvPr id="1" name=""/>
+        <p:cNvGrpSpPr/>
+        <p:nvPr/>
+      </p:nvGrpSpPr>
+      <p:grpSpPr>
+        <a:xfrm>
+          <a:off x="0" y="0"/>
+          <a:ext cx="0" cy="0"/>
+          <a:chOff x="0" y="0"/>
+          <a:chExt cx="0" cy="0"/>
+        </a:xfrm>
+      </p:grpSpPr>
+      <p:sp>
+        <p:nvSpPr>
+          <p:cNvPr id="2" name="Title 1"/>
+          <p:cNvSpPr>
+            <a:spLocks noGrp="1"/>
+          </p:cNvSpPr>
+          <p:nvPr>
+            <p:ph type="title"/>
+          </p:nvPr>
+        </p:nvSpPr>
+        <p:spPr/>
+        <p:txBody>
+          <a:bodyPr/>
+          <a:lstStyle/>
+          <a:p>
+            <a:r>
               <a:rPr lang="en-US" dirty="0" smtClean="0"/>
               <a:t>HL7 Examples reviewed above</a:t>
             </a:r>
@@ -3327,7 +3604,7 @@
           <a:p>
             <a:r>
               <a:rPr lang="en-US" dirty="0" smtClean="0"/>
-              <a:t>HL7 Examples Task Force</a:t>
+              <a:t>Industry Consistency is Important</a:t>
             </a:r>
             <a:endParaRPr lang="en-US" dirty="0"/>
           </a:p>
@@ -3350,69 +3627,71 @@
           <a:p>
             <a:r>
               <a:rPr lang="en-US" dirty="0" smtClean="0"/>
-              <a:t>Review the examples, showing content for the 3 concepts</a:t>
-            </a:r>
-          </a:p>
-          <a:p>
+              <a:t>text/reference </a:t>
+            </a:r>
+            <a:r>
+              <a:rPr lang="en-US" dirty="0"/>
+              <a:t>may be easiest tie from discrete entry to human readable text</a:t>
+            </a:r>
+          </a:p>
+          <a:p>
+            <a:pPr lvl="1"/>
+            <a:r>
+              <a:rPr lang="en-US" dirty="0"/>
+              <a:t>Needs to be carefully dereferenced in order to have usable content</a:t>
+            </a:r>
+          </a:p>
+          <a:p>
+            <a:r>
+              <a:rPr lang="en-US" dirty="0"/>
+              <a:t>Importing systems </a:t>
+            </a:r>
             <a:r>
               <a:rPr lang="en-US" dirty="0" smtClean="0"/>
-              <a:t>Important for industry to support consistently</a:t>
+              <a:t>benefit from reliable </a:t>
+            </a:r>
+            <a:r>
+              <a:rPr lang="en-US" dirty="0"/>
+              <a:t>discrete content references to the narrative</a:t>
             </a:r>
           </a:p>
           <a:p>
             <a:pPr lvl="1"/>
             <a:r>
+              <a:rPr lang="en-US" dirty="0" err="1"/>
+              <a:t>originalText</a:t>
+            </a:r>
+            <a:r>
+              <a:rPr lang="en-US" dirty="0"/>
+              <a:t>/reference provides this for </a:t>
+            </a:r>
+            <a:r>
               <a:rPr lang="en-US" dirty="0" smtClean="0"/>
-              <a:t>Importing systems need reliable discrete content references to the narrative</a:t>
-            </a:r>
-          </a:p>
-          <a:p>
-            <a:pPr lvl="2"/>
+              <a:t>&lt;code&gt;,  &lt;value&gt; and a few other coded elements</a:t>
+            </a:r>
+            <a:endParaRPr lang="en-US" dirty="0"/>
+          </a:p>
+          <a:p>
+            <a:pPr lvl="1"/>
+            <a:r>
+              <a:rPr lang="en-US" dirty="0"/>
+              <a:t>@</a:t>
+            </a:r>
+            <a:r>
+              <a:rPr lang="en-US" dirty="0" err="1"/>
+              <a:t>displayName</a:t>
+            </a:r>
+            <a:r>
+              <a:rPr lang="en-US" dirty="0"/>
+              <a:t> is not for machine processing (somewhere there is a statement on “has no semantic meaning”) and should to be used only for </a:t>
+            </a:r>
             <a:r>
               <a:rPr lang="en-US" dirty="0" smtClean="0"/>
-              <a:t>originalText/reference seems to be the most important and most useful</a:t>
-            </a:r>
-          </a:p>
-          <a:p>
-            <a:pPr lvl="2"/>
-            <a:r>
-              <a:rPr lang="en-US" dirty="0" smtClean="0"/>
-              <a:t>text/reference probably plays a secondary role</a:t>
-            </a:r>
-          </a:p>
-          <a:p>
-            <a:pPr lvl="2"/>
-            <a:r>
-              <a:rPr lang="en-US" dirty="0" smtClean="0"/>
-              <a:t>@displayName should continue to be used only for debugging and is not for machine processing (somewhere there is a statement on “has no semantic meaning”)</a:t>
-            </a:r>
-          </a:p>
-          <a:p>
-            <a:r>
-              <a:rPr lang="en-US" dirty="0" smtClean="0"/>
-              <a:t>What we see today from industry examples</a:t>
-            </a:r>
-          </a:p>
-          <a:p>
-            <a:pPr lvl="1"/>
-            <a:r>
-              <a:rPr lang="en-US" dirty="0" smtClean="0"/>
-              <a:t>text/reference absent, or pointing to what really is the originalText content</a:t>
-            </a:r>
-          </a:p>
-          <a:p>
-            <a:pPr lvl="1"/>
-            <a:r>
-              <a:rPr lang="en-US" dirty="0" smtClean="0"/>
-              <a:t>originalText/reference mostly absent</a:t>
-            </a:r>
-          </a:p>
-          <a:p>
-            <a:pPr lvl="1"/>
-            <a:r>
-              <a:rPr lang="en-US" dirty="0" smtClean="0"/>
-              <a:t>@displayName often present, but also often containing originalText content</a:t>
-            </a:r>
+              <a:t>debugging </a:t>
+            </a:r>
+            <a:endParaRPr lang="en-US" dirty="0"/>
+          </a:p>
+          <a:p>
             <a:endParaRPr lang="en-US" dirty="0"/>
           </a:p>
         </p:txBody>
@@ -3420,7 +3699,7 @@
     </p:spTree>
     <p:extLst>
       <p:ext uri="{BB962C8B-B14F-4D97-AF65-F5344CB8AC3E}">
-        <p14:creationId xmlns:p14="http://schemas.microsoft.com/office/powerpoint/2010/main" val="236058835"/>
+        <p14:creationId xmlns:p14="http://schemas.microsoft.com/office/powerpoint/2010/main" val="169499536"/>
       </p:ext>
     </p:extLst>
   </p:cSld>
@@ -3464,7 +3743,7 @@
           <a:p>
             <a:r>
               <a:rPr lang="en-US" dirty="0" smtClean="0"/>
-              <a:t>What follows?</a:t>
+              <a:t>HL7 Examples Task Force</a:t>
             </a:r>
             <a:endParaRPr lang="en-US" dirty="0"/>
           </a:p>
@@ -3487,95 +3766,39 @@
           <a:p>
             <a:r>
               <a:rPr lang="en-US" dirty="0" smtClean="0"/>
-              <a:t>Review of selected Examples Task Force approved examples:</a:t>
+              <a:t>Review the examples, showing content for the 3 concepts</a:t>
+            </a:r>
+          </a:p>
+          <a:p>
+            <a:r>
+              <a:rPr lang="en-US" dirty="0" smtClean="0"/>
+              <a:t>What </a:t>
+            </a:r>
+            <a:r>
+              <a:rPr lang="en-US" dirty="0" smtClean="0"/>
+              <a:t>we see today from industry examples</a:t>
             </a:r>
           </a:p>
           <a:p>
             <a:pPr lvl="1"/>
             <a:r>
               <a:rPr lang="en-US" dirty="0" smtClean="0"/>
-              <a:t>Allergy</a:t>
+              <a:t>text/reference absent, or pointing to what really is the originalText content</a:t>
             </a:r>
           </a:p>
           <a:p>
             <a:pPr lvl="1"/>
             <a:r>
               <a:rPr lang="en-US" dirty="0" smtClean="0"/>
-              <a:t>Problem</a:t>
+              <a:t>originalText/reference mostly absent</a:t>
             </a:r>
           </a:p>
           <a:p>
             <a:pPr lvl="1"/>
             <a:r>
               <a:rPr lang="en-US" dirty="0" smtClean="0"/>
-              <a:t>Medication</a:t>
-            </a:r>
-          </a:p>
-          <a:p>
-            <a:pPr lvl="1"/>
-            <a:r>
-              <a:rPr lang="en-US" dirty="0" smtClean="0"/>
-              <a:t>Immunization</a:t>
-            </a:r>
-          </a:p>
-          <a:p>
-            <a:pPr lvl="1"/>
-            <a:r>
-              <a:rPr lang="en-US" dirty="0" smtClean="0"/>
-              <a:t>Procedure</a:t>
-            </a:r>
-          </a:p>
-          <a:p>
-            <a:pPr lvl="1"/>
-            <a:r>
-              <a:rPr lang="en-US" dirty="0" smtClean="0"/>
-              <a:t>Result</a:t>
-            </a:r>
-          </a:p>
-          <a:p>
-            <a:r>
-              <a:rPr lang="en-US" dirty="0" smtClean="0"/>
-              <a:t>For each there is:</a:t>
-            </a:r>
-          </a:p>
-          <a:p>
-            <a:pPr lvl="1"/>
-            <a:r>
-              <a:rPr lang="en-US" dirty="0" smtClean="0"/>
-              <a:t>Link to example</a:t>
-            </a:r>
-          </a:p>
-          <a:p>
-            <a:pPr lvl="1"/>
-            <a:r>
-              <a:rPr lang="en-US" dirty="0" smtClean="0"/>
-              <a:t>Table where 1</a:t>
-            </a:r>
-            <a:r>
-              <a:rPr lang="en-US" baseline="30000" dirty="0" smtClean="0"/>
-              <a:t>st</a:t>
-            </a:r>
-            <a:r>
-              <a:rPr lang="en-US" dirty="0" smtClean="0"/>
-              <a:t> row shows content from text/reference, originalText/Reference, @displayName</a:t>
-            </a:r>
-          </a:p>
-          <a:p>
-            <a:pPr lvl="1"/>
-            <a:r>
-              <a:rPr lang="en-US" dirty="0" smtClean="0"/>
-              <a:t>For some examples there is a second row saying something like: … below is …</a:t>
-            </a:r>
-          </a:p>
-          <a:p>
-            <a:pPr lvl="2"/>
-            <a:r>
-              <a:rPr lang="en-US" dirty="0" smtClean="0"/>
-              <a:t>Then there is a third row presenting what would improve interoperability, or that might just be more complete</a:t>
-            </a:r>
-          </a:p>
-          <a:p>
-            <a:pPr lvl="1"/>
+              <a:t>@displayName often present, but also often containing originalText content</a:t>
+            </a:r>
             <a:endParaRPr lang="en-US" dirty="0"/>
           </a:p>
         </p:txBody>
@@ -3583,20 +3806,13 @@
     </p:spTree>
     <p:extLst>
       <p:ext uri="{BB962C8B-B14F-4D97-AF65-F5344CB8AC3E}">
-        <p14:creationId xmlns:p14="http://schemas.microsoft.com/office/powerpoint/2010/main" val="2634348990"/>
+        <p14:creationId xmlns:p14="http://schemas.microsoft.com/office/powerpoint/2010/main" val="236058835"/>
       </p:ext>
     </p:extLst>
   </p:cSld>
   <p:clrMapOvr>
     <a:masterClrMapping/>
   </p:clrMapOvr>
-  <p:timing>
-    <p:tnLst>
-      <p:par>
-        <p:cTn id="1" dur="indefinite" restart="never" nodeType="tmRoot"/>
-      </p:par>
-    </p:tnLst>
-  </p:timing>
 </p:sld>
 </file>
 
@@ -3627,255 +3843,14 @@
             <p:ph type="title"/>
           </p:nvPr>
         </p:nvSpPr>
-        <p:spPr>
-          <a:xfrm>
-            <a:off x="457200" y="238124"/>
-            <a:ext cx="8229600" cy="871347"/>
-          </a:xfrm>
-        </p:spPr>
+        <p:spPr/>
         <p:txBody>
           <a:bodyPr/>
           <a:lstStyle/>
           <a:p>
             <a:r>
-              <a:rPr lang="en-US" b="1" dirty="0"/>
-              <a:t>ALLERGIES, ADVERSE REACTIONS OR ALERTS</a:t>
-            </a:r>
-            <a:endParaRPr lang="en-US" dirty="0"/>
-          </a:p>
-        </p:txBody>
-      </p:sp>
-      <p:graphicFrame>
-        <p:nvGraphicFramePr>
-          <p:cNvPr id="3" name="Table 2"/>
-          <p:cNvGraphicFramePr>
-            <a:graphicFrameLocks noGrp="1"/>
-          </p:cNvGraphicFramePr>
-          <p:nvPr>
-            <p:extLst>
-              <p:ext uri="{D42A27DB-BD31-4B8C-83A1-F6EECF244321}">
-                <p14:modId xmlns:p14="http://schemas.microsoft.com/office/powerpoint/2010/main" val="561500201"/>
-              </p:ext>
-            </p:extLst>
-          </p:nvPr>
-        </p:nvGraphicFramePr>
-        <p:xfrm>
-          <a:off x="457200" y="1624417"/>
-          <a:ext cx="8346264" cy="1752600"/>
-        </p:xfrm>
-        <a:graphic>
-          <a:graphicData uri="http://schemas.openxmlformats.org/drawingml/2006/table">
-            <a:tbl>
-              <a:tblPr firstRow="1" bandRow="1">
-                <a:tableStyleId>{5C22544A-7EE6-4342-B048-85BDC9FD1C3A}</a:tableStyleId>
-              </a:tblPr>
-              <a:tblGrid>
-                <a:gridCol w="5628290"/>
-                <a:gridCol w="1330609"/>
-                <a:gridCol w="1387365"/>
-              </a:tblGrid>
-              <a:tr h="370840">
-                <a:tc>
-                  <a:txBody>
-                    <a:bodyPr/>
-                    <a:lstStyle/>
-                    <a:p>
-                      <a:r>
-                        <a:rPr lang="en-US" dirty="0" smtClean="0"/>
-                        <a:t>text/reference</a:t>
-                      </a:r>
-                      <a:endParaRPr lang="en-US" dirty="0"/>
-                    </a:p>
-                  </a:txBody>
-                  <a:tcPr/>
-                </a:tc>
-                <a:tc>
-                  <a:txBody>
-                    <a:bodyPr/>
-                    <a:lstStyle/>
-                    <a:p>
-                      <a:r>
-                        <a:rPr lang="en-US" dirty="0" smtClean="0"/>
-                        <a:t>originalText</a:t>
-                      </a:r>
-                      <a:endParaRPr lang="en-US" dirty="0"/>
-                    </a:p>
-                  </a:txBody>
-                  <a:tcPr/>
-                </a:tc>
-                <a:tc>
-                  <a:txBody>
-                    <a:bodyPr/>
-                    <a:lstStyle/>
-                    <a:p>
-                      <a:r>
-                        <a:rPr lang="en-US" dirty="0" smtClean="0"/>
-                        <a:t>@displayName</a:t>
-                      </a:r>
-                      <a:endParaRPr lang="en-US" dirty="0"/>
-                    </a:p>
-                  </a:txBody>
-                  <a:tcPr/>
-                </a:tc>
-              </a:tr>
-              <a:tr h="370840">
-                <a:tc>
-                  <a:txBody>
-                    <a:bodyPr/>
-                    <a:lstStyle/>
-                    <a:p>
-                      <a:r>
-                        <a:rPr lang="en-US" dirty="0" smtClean="0"/>
-                        <a:t>Absent</a:t>
-                      </a:r>
-                      <a:endParaRPr lang="en-US" dirty="0"/>
-                    </a:p>
-                  </a:txBody>
-                  <a:tcPr/>
-                </a:tc>
-                <a:tc>
-                  <a:txBody>
-                    <a:bodyPr/>
-                    <a:lstStyle/>
-                    <a:p>
-                      <a:r>
-                        <a:rPr lang="en-US" dirty="0" smtClean="0"/>
-                        <a:t>Penicillin</a:t>
-                      </a:r>
-                      <a:endParaRPr lang="en-US" dirty="0"/>
-                    </a:p>
-                  </a:txBody>
-                  <a:tcPr/>
-                </a:tc>
-                <a:tc>
-                  <a:txBody>
-                    <a:bodyPr/>
-                    <a:lstStyle/>
-                    <a:p>
-                      <a:r>
-                        <a:rPr lang="en-US" dirty="0" smtClean="0"/>
-                        <a:t>penicillin</a:t>
-                      </a:r>
-                      <a:endParaRPr lang="en-US" dirty="0"/>
-                    </a:p>
-                  </a:txBody>
-                  <a:tcPr/>
-                </a:tc>
-              </a:tr>
-              <a:tr h="370840">
-                <a:tc>
-                  <a:txBody>
-                    <a:bodyPr/>
-                    <a:lstStyle/>
-                    <a:p>
-                      <a:r>
-                        <a:rPr lang="en-US" dirty="0" smtClean="0"/>
-                        <a:t>…. Below is an</a:t>
-                      </a:r>
-                      <a:r>
-                        <a:rPr lang="en-US" baseline="0" dirty="0" smtClean="0"/>
-                        <a:t> example where the text reference is present</a:t>
-                      </a:r>
-                      <a:endParaRPr lang="en-US" dirty="0"/>
-                    </a:p>
-                  </a:txBody>
-                  <a:tcPr/>
-                </a:tc>
-                <a:tc>
-                  <a:txBody>
-                    <a:bodyPr/>
-                    <a:lstStyle/>
-                    <a:p>
-                      <a:endParaRPr lang="en-US" dirty="0"/>
-                    </a:p>
-                  </a:txBody>
-                  <a:tcPr/>
-                </a:tc>
-                <a:tc>
-                  <a:txBody>
-                    <a:bodyPr/>
-                    <a:lstStyle/>
-                    <a:p>
-                      <a:endParaRPr lang="en-US" dirty="0"/>
-                    </a:p>
-                  </a:txBody>
-                  <a:tcPr/>
-                </a:tc>
-              </a:tr>
-              <a:tr h="370840">
-                <a:tc>
-                  <a:txBody>
-                    <a:bodyPr/>
-                    <a:lstStyle/>
-                    <a:p>
-                      <a:r>
-                        <a:rPr lang="en-US" dirty="0" smtClean="0"/>
-                        <a:t>Penicillin Anaphylaxis Severe Jan 4 2014 2006</a:t>
-                      </a:r>
-                      <a:endParaRPr lang="en-US" dirty="0"/>
-                    </a:p>
-                  </a:txBody>
-                  <a:tcPr/>
-                </a:tc>
-                <a:tc>
-                  <a:txBody>
-                    <a:bodyPr/>
-                    <a:lstStyle/>
-                    <a:p>
-                      <a:r>
-                        <a:rPr lang="en-US" dirty="0" smtClean="0"/>
-                        <a:t>Penicillin</a:t>
-                      </a:r>
-                      <a:endParaRPr lang="en-US" dirty="0"/>
-                    </a:p>
-                  </a:txBody>
-                  <a:tcPr/>
-                </a:tc>
-                <a:tc>
-                  <a:txBody>
-                    <a:bodyPr/>
-                    <a:lstStyle/>
-                    <a:p>
-                      <a:r>
-                        <a:rPr lang="en-US" dirty="0" smtClean="0"/>
-                        <a:t>penicillin</a:t>
-                      </a:r>
-                      <a:endParaRPr lang="en-US" dirty="0"/>
-                    </a:p>
-                  </a:txBody>
-                  <a:tcPr/>
-                </a:tc>
-              </a:tr>
-            </a:tbl>
-          </a:graphicData>
-        </a:graphic>
-      </p:graphicFrame>
-      <p:sp>
-        <p:nvSpPr>
-          <p:cNvPr id="4" name="Rectangle 3"/>
-          <p:cNvSpPr/>
-          <p:nvPr/>
-        </p:nvSpPr>
-        <p:spPr>
-          <a:xfrm>
-            <a:off x="400970" y="1109000"/>
-            <a:ext cx="6296747" cy="461665"/>
-          </a:xfrm>
-          <a:prstGeom prst="rect">
-            <a:avLst/>
-          </a:prstGeom>
-        </p:spPr>
-        <p:txBody>
-          <a:bodyPr wrap="square">
-            <a:spAutoFit/>
-          </a:bodyPr>
-          <a:lstStyle/>
-          <a:p>
-            <a:r>
-              <a:rPr lang="en-US" dirty="0">
-                <a:hlinkClick r:id="rId2"/>
-              </a:rPr>
-              <a:t>Allergy to specific drug (penicillin) C-CDA 1.1</a:t>
+              <a:rPr lang="en-US" dirty="0" smtClean="0"/>
+              <a:t>What follows?</a:t>
             </a:r>
             <a:endParaRPr lang="en-US" dirty="0"/>
           </a:p>
@@ -3883,72 +3858,118 @@
       </p:sp>
       <p:sp>
         <p:nvSpPr>
-          <p:cNvPr id="5" name="TextBox 4"/>
-          <p:cNvSpPr txBox="1"/>
-          <p:nvPr/>
+          <p:cNvPr id="3" name="Text Placeholder 2"/>
+          <p:cNvSpPr>
+            <a:spLocks noGrp="1"/>
+          </p:cNvSpPr>
+          <p:nvPr>
+            <p:ph type="body" sz="quarter" idx="10"/>
+          </p:nvPr>
         </p:nvSpPr>
-        <p:spPr>
-          <a:xfrm>
-            <a:off x="457200" y="4004441"/>
-            <a:ext cx="6988260" cy="523220"/>
-          </a:xfrm>
-          <a:prstGeom prst="rect">
-            <a:avLst/>
-          </a:prstGeom>
-          <a:noFill/>
-        </p:spPr>
+        <p:spPr/>
         <p:txBody>
-          <a:bodyPr wrap="none" rtlCol="0">
-            <a:spAutoFit/>
-          </a:bodyPr>
+          <a:bodyPr/>
           <a:lstStyle/>
           <a:p>
             <a:r>
-              <a:rPr lang="en-US" sz="1400" dirty="0" smtClean="0">
-                <a:solidFill>
-                  <a:srgbClr val="000000"/>
-                </a:solidFill>
-                <a:latin typeface="Tw Cen MT"/>
-                <a:cs typeface="Tw Cen MT"/>
-              </a:rPr>
-              <a:t>Important to note: for the allergy observation, the originalText is on the code of the participant.</a:t>
-            </a:r>
-          </a:p>
-          <a:p>
-            <a:r>
-              <a:rPr lang="en-US" sz="1400" dirty="0" smtClean="0">
-                <a:solidFill>
-                  <a:srgbClr val="000000"/>
-                </a:solidFill>
-                <a:latin typeface="Tw Cen MT"/>
-                <a:cs typeface="Tw Cen MT"/>
-              </a:rPr>
-              <a:t>Note 2: review the text/reference of the reaction – shouldn’t that include </a:t>
-            </a:r>
-            <a:r>
-              <a:rPr lang="en-US" sz="1400" smtClean="0">
-                <a:solidFill>
-                  <a:srgbClr val="000000"/>
-                </a:solidFill>
-                <a:latin typeface="Tw Cen MT"/>
-                <a:cs typeface="Tw Cen MT"/>
-              </a:rPr>
-              <a:t>the Severity?</a:t>
-            </a:r>
-            <a:endParaRPr lang="en-US" sz="1400" dirty="0" smtClean="0">
-              <a:solidFill>
-                <a:srgbClr val="000000"/>
-              </a:solidFill>
-              <a:latin typeface="Tw Cen MT"/>
-              <a:cs typeface="Tw Cen MT"/>
-            </a:endParaRPr>
+              <a:rPr lang="en-US" dirty="0" smtClean="0"/>
+              <a:t>Review of selected Examples Task Force approved examples:</a:t>
+            </a:r>
+          </a:p>
+          <a:p>
+            <a:pPr lvl="1"/>
+            <a:r>
+              <a:rPr lang="en-US" dirty="0" smtClean="0"/>
+              <a:t>Allergy</a:t>
+            </a:r>
+          </a:p>
+          <a:p>
+            <a:pPr lvl="1"/>
+            <a:r>
+              <a:rPr lang="en-US" dirty="0" smtClean="0"/>
+              <a:t>Problem</a:t>
+            </a:r>
+          </a:p>
+          <a:p>
+            <a:pPr lvl="1"/>
+            <a:r>
+              <a:rPr lang="en-US" dirty="0" smtClean="0"/>
+              <a:t>Medication</a:t>
+            </a:r>
+          </a:p>
+          <a:p>
+            <a:pPr lvl="1"/>
+            <a:r>
+              <a:rPr lang="en-US" dirty="0" smtClean="0"/>
+              <a:t>Immunization</a:t>
+            </a:r>
+          </a:p>
+          <a:p>
+            <a:pPr lvl="1"/>
+            <a:r>
+              <a:rPr lang="en-US" dirty="0" smtClean="0"/>
+              <a:t>Procedure</a:t>
+            </a:r>
+          </a:p>
+          <a:p>
+            <a:pPr lvl="1"/>
+            <a:r>
+              <a:rPr lang="en-US" dirty="0" smtClean="0"/>
+              <a:t>Result</a:t>
+            </a:r>
+          </a:p>
+          <a:p>
+            <a:r>
+              <a:rPr lang="en-US" dirty="0" smtClean="0"/>
+              <a:t>For each there is:</a:t>
+            </a:r>
+          </a:p>
+          <a:p>
+            <a:pPr lvl="1"/>
+            <a:r>
+              <a:rPr lang="en-US" dirty="0" smtClean="0"/>
+              <a:t>Link to example</a:t>
+            </a:r>
+          </a:p>
+          <a:p>
+            <a:pPr lvl="1"/>
+            <a:r>
+              <a:rPr lang="en-US" dirty="0" smtClean="0"/>
+              <a:t>Table where 1</a:t>
+            </a:r>
+            <a:r>
+              <a:rPr lang="en-US" baseline="30000" dirty="0" smtClean="0"/>
+              <a:t>st</a:t>
+            </a:r>
+            <a:r>
+              <a:rPr lang="en-US" dirty="0" smtClean="0"/>
+              <a:t> row shows content from text/reference, originalText/Reference, @displayName</a:t>
+            </a:r>
+          </a:p>
+          <a:p>
+            <a:pPr lvl="1"/>
+            <a:r>
+              <a:rPr lang="en-US" dirty="0" smtClean="0"/>
+              <a:t>For some examples there is a second row saying something like: … below is …</a:t>
+            </a:r>
+          </a:p>
+          <a:p>
+            <a:pPr lvl="2"/>
+            <a:r>
+              <a:rPr lang="en-US" dirty="0" smtClean="0"/>
+              <a:t>Then there is a third row presenting what would improve interoperability, or that might just be more complete</a:t>
+            </a:r>
+          </a:p>
+          <a:p>
+            <a:pPr lvl="1"/>
+            <a:endParaRPr lang="en-US" dirty="0"/>
           </a:p>
         </p:txBody>
       </p:sp>
     </p:spTree>
     <p:extLst>
       <p:ext uri="{BB962C8B-B14F-4D97-AF65-F5344CB8AC3E}">
-        <p14:creationId xmlns:p14="http://schemas.microsoft.com/office/powerpoint/2010/main" val="2003653601"/>
+        <p14:creationId xmlns:p14="http://schemas.microsoft.com/office/powerpoint/2010/main" val="2634348990"/>
       </p:ext>
     </p:extLst>
   </p:cSld>
@@ -3992,14 +4013,19 @@
             <p:ph type="title"/>
           </p:nvPr>
         </p:nvSpPr>
-        <p:spPr/>
+        <p:spPr>
+          <a:xfrm>
+            <a:off x="457200" y="238124"/>
+            <a:ext cx="8229600" cy="871347"/>
+          </a:xfrm>
+        </p:spPr>
         <p:txBody>
           <a:bodyPr/>
           <a:lstStyle/>
           <a:p>
             <a:r>
               <a:rPr lang="en-US" b="1" dirty="0"/>
-              <a:t>PROBLEMS</a:t>
+              <a:t>ALLERGIES, ADVERSE REACTIONS OR ALERTS</a:t>
             </a:r>
             <a:endParaRPr lang="en-US" dirty="0"/>
           </a:p>
@@ -4007,21 +4033,21 @@
       </p:sp>
       <p:graphicFrame>
         <p:nvGraphicFramePr>
-          <p:cNvPr id="4" name="Table 3"/>
+          <p:cNvPr id="3" name="Table 2"/>
           <p:cNvGraphicFramePr>
             <a:graphicFrameLocks noGrp="1"/>
           </p:cNvGraphicFramePr>
           <p:nvPr>
             <p:extLst>
               <p:ext uri="{D42A27DB-BD31-4B8C-83A1-F6EECF244321}">
-                <p14:modId xmlns:p14="http://schemas.microsoft.com/office/powerpoint/2010/main" val="3064842308"/>
+                <p14:modId xmlns:p14="http://schemas.microsoft.com/office/powerpoint/2010/main" val="561500201"/>
               </p:ext>
             </p:extLst>
           </p:nvPr>
         </p:nvGraphicFramePr>
         <p:xfrm>
           <a:off x="457200" y="1624417"/>
-          <a:ext cx="8346264" cy="2839720"/>
+          <a:ext cx="8346264" cy="1752600"/>
         </p:xfrm>
         <a:graphic>
           <a:graphicData uri="http://schemas.openxmlformats.org/drawingml/2006/table">
@@ -4086,31 +4112,9 @@
                     <a:p>
                       <a:r>
                         <a:rPr lang="en-US" dirty="0" smtClean="0"/>
-                        <a:t>Community Acquired Pneumonia Onset: February 27 2014 Active</a:t>
-                      </a:r>
-                      <a:endParaRPr lang="en-US" dirty="0"/>
-                    </a:p>
-                  </a:txBody>
-                  <a:tcPr/>
-                </a:tc>
-                <a:tc>
-                  <a:txBody>
-                    <a:bodyPr/>
-                    <a:lstStyle/>
-                    <a:p>
-                      <a:r>
-                        <a:rPr lang="en-US" dirty="0" smtClean="0">
-                          <a:solidFill>
-                            <a:srgbClr val="FF0000"/>
-                          </a:solidFill>
-                        </a:rPr>
                         <a:t>Absent</a:t>
                       </a:r>
-                      <a:endParaRPr lang="en-US" dirty="0">
-                        <a:solidFill>
-                          <a:srgbClr val="FF0000"/>
-                        </a:solidFill>
-                      </a:endParaRPr>
+                      <a:endParaRPr lang="en-US" dirty="0"/>
                     </a:p>
                   </a:txBody>
                   <a:tcPr/>
@@ -4121,18 +4125,24 @@
                     <a:lstStyle/>
                     <a:p>
                       <a:r>
-                        <a:rPr lang="en-US" dirty="0" smtClean="0">
-                          <a:solidFill>
-                            <a:srgbClr val="FF0000"/>
-                          </a:solidFill>
-                        </a:rPr>
-                        <a:t>Community Acquired Pneumonia</a:t>
+                        <a:rPr lang="en-US" dirty="0" smtClean="0"/>
+                        <a:t>Penicillin</a:t>
                       </a:r>
-                      <a:endParaRPr lang="en-US" dirty="0">
-                        <a:solidFill>
-                          <a:srgbClr val="FF0000"/>
-                        </a:solidFill>
-                      </a:endParaRPr>
+                      <a:endParaRPr lang="en-US" dirty="0"/>
+                    </a:p>
+                  </a:txBody>
+                  <a:tcPr/>
+                </a:tc>
+                <a:tc>
+                  <a:txBody>
+                    <a:bodyPr/>
+                    <a:lstStyle/>
+                    <a:p>
+                      <a:r>
+                        <a:rPr lang="en-US" dirty="0" smtClean="0"/>
+                        <a:t>penicillin</a:t>
+                      </a:r>
+                      <a:endParaRPr lang="en-US" dirty="0"/>
                     </a:p>
                   </a:txBody>
                   <a:tcPr/>
@@ -4146,11 +4156,11 @@
                     <a:p>
                       <a:r>
                         <a:rPr lang="en-US" dirty="0" smtClean="0"/>
-                        <a:t>……below is the</a:t>
+                        <a:t>…. Below is an</a:t>
                       </a:r>
                       <a:r>
                         <a:rPr lang="en-US" baseline="0" dirty="0" smtClean="0"/>
-                        <a:t> ideal state</a:t>
+                        <a:t> example where the text reference is present</a:t>
                       </a:r>
                       <a:endParaRPr lang="en-US" dirty="0"/>
                     </a:p>
@@ -4184,29 +4194,10 @@
                     <a:bodyPr/>
                     <a:lstStyle/>
                     <a:p>
-                      <a:pPr marL="0" marR="0" indent="0" algn="l" defTabSz="457200" rtl="0" eaLnBrk="1" fontAlgn="auto" latinLnBrk="0" hangingPunct="1">
-                        <a:lnSpc>
-                          <a:spcPct val="100000"/>
-                        </a:lnSpc>
-                        <a:spcBef>
-                          <a:spcPts val="0"/>
-                        </a:spcBef>
-                        <a:spcAft>
-                          <a:spcPts val="0"/>
-                        </a:spcAft>
-                        <a:buClrTx/>
-                        <a:buSzTx/>
-                        <a:buFontTx/>
-                        <a:buNone/>
-                        <a:tabLst/>
-                        <a:defRPr/>
-                      </a:pPr>
                       <a:r>
                         <a:rPr lang="en-US" dirty="0" smtClean="0"/>
-                        <a:t>Community Acquired Pneumonia Onset: February 27 2014 Active</a:t>
+                        <a:t>Penicillin Anaphylaxis Severe Jan 4 2014 2006</a:t>
                       </a:r>
-                    </a:p>
-                    <a:p>
                       <a:endParaRPr lang="en-US" dirty="0"/>
                     </a:p>
                   </a:txBody>
@@ -4219,7 +4210,7 @@
                     <a:p>
                       <a:r>
                         <a:rPr lang="en-US" dirty="0" smtClean="0"/>
-                        <a:t>Community Acquired Pneumonia</a:t>
+                        <a:t>Penicillin</a:t>
                       </a:r>
                       <a:endParaRPr lang="en-US" dirty="0"/>
                     </a:p>
@@ -4233,7 +4224,7 @@
                     <a:p>
                       <a:r>
                         <a:rPr lang="en-US" dirty="0" smtClean="0"/>
-                        <a:t>Community acquired pneumonia</a:t>
+                        <a:t>penicillin</a:t>
                       </a:r>
                       <a:endParaRPr lang="en-US" dirty="0"/>
                     </a:p>
@@ -4247,14 +4238,45 @@
       </p:graphicFrame>
       <p:sp>
         <p:nvSpPr>
-          <p:cNvPr id="3" name="TextBox 2"/>
+          <p:cNvPr id="4" name="Rectangle 3"/>
+          <p:cNvSpPr/>
+          <p:nvPr/>
+        </p:nvSpPr>
+        <p:spPr>
+          <a:xfrm>
+            <a:off x="400970" y="1109000"/>
+            <a:ext cx="6296747" cy="461665"/>
+          </a:xfrm>
+          <a:prstGeom prst="rect">
+            <a:avLst/>
+          </a:prstGeom>
+        </p:spPr>
+        <p:txBody>
+          <a:bodyPr wrap="square">
+            <a:spAutoFit/>
+          </a:bodyPr>
+          <a:lstStyle/>
+          <a:p>
+            <a:r>
+              <a:rPr lang="en-US" dirty="0">
+                <a:hlinkClick r:id="rId2"/>
+              </a:rPr>
+              <a:t>Allergy to specific drug (penicillin) C-CDA 1.1</a:t>
+            </a:r>
+            <a:endParaRPr lang="en-US" dirty="0"/>
+          </a:p>
+        </p:txBody>
+      </p:sp>
+      <p:sp>
+        <p:nvSpPr>
+          <p:cNvPr id="5" name="TextBox 4"/>
           <p:cNvSpPr txBox="1"/>
           <p:nvPr/>
         </p:nvSpPr>
         <p:spPr>
           <a:xfrm>
-            <a:off x="517109" y="957613"/>
-            <a:ext cx="4273286" cy="461665"/>
+            <a:off x="457200" y="4004441"/>
+            <a:ext cx="6988260" cy="523220"/>
           </a:xfrm>
           <a:prstGeom prst="rect">
             <a:avLst/>
@@ -4268,17 +4290,38 @@
           <a:lstStyle/>
           <a:p>
             <a:r>
-              <a:rPr lang="en-US" dirty="0" smtClean="0">
+              <a:rPr lang="en-US" sz="1400" dirty="0" smtClean="0">
                 <a:solidFill>
                   <a:srgbClr val="000000"/>
                 </a:solidFill>
                 <a:latin typeface="Tw Cen MT"/>
                 <a:cs typeface="Tw Cen MT"/>
-                <a:hlinkClick r:id="rId2"/>
               </a:rPr>
-              <a:t>Transition of Care Active Problem</a:t>
-            </a:r>
-            <a:endParaRPr lang="en-US" dirty="0" smtClean="0">
+              <a:t>Important to note: for the allergy observation, the originalText is on the code of the participant.</a:t>
+            </a:r>
+          </a:p>
+          <a:p>
+            <a:r>
+              <a:rPr lang="en-US" sz="1400" dirty="0" smtClean="0">
+                <a:solidFill>
+                  <a:srgbClr val="000000"/>
+                </a:solidFill>
+                <a:latin typeface="Tw Cen MT"/>
+                <a:cs typeface="Tw Cen MT"/>
+              </a:rPr>
+              <a:t>Note 2: review the text/reference of the reaction – shouldn’t that include </a:t>
+            </a:r>
+            <a:r>
+              <a:rPr lang="en-US" sz="1400" smtClean="0">
+                <a:solidFill>
+                  <a:srgbClr val="000000"/>
+                </a:solidFill>
+                <a:latin typeface="Tw Cen MT"/>
+                <a:cs typeface="Tw Cen MT"/>
+              </a:rPr>
+              <a:t>the Severity?</a:t>
+            </a:r>
+            <a:endParaRPr lang="en-US" sz="1400" dirty="0" smtClean="0">
               <a:solidFill>
                 <a:srgbClr val="000000"/>
               </a:solidFill>
@@ -4291,7 +4334,7 @@
     </p:spTree>
     <p:extLst>
       <p:ext uri="{BB962C8B-B14F-4D97-AF65-F5344CB8AC3E}">
-        <p14:creationId xmlns:p14="http://schemas.microsoft.com/office/powerpoint/2010/main" val="927259046"/>
+        <p14:creationId xmlns:p14="http://schemas.microsoft.com/office/powerpoint/2010/main" val="2003653601"/>
       </p:ext>
     </p:extLst>
   </p:cSld>
@@ -4342,7 +4385,7 @@
           <a:p>
             <a:r>
               <a:rPr lang="en-US" b="1" dirty="0"/>
-              <a:t>MEDICATIONS</a:t>
+              <a:t>PROBLEMS</a:t>
             </a:r>
             <a:endParaRPr lang="en-US" dirty="0"/>
           </a:p>
@@ -4357,14 +4400,14 @@
           <p:nvPr>
             <p:extLst>
               <p:ext uri="{D42A27DB-BD31-4B8C-83A1-F6EECF244321}">
-                <p14:modId xmlns:p14="http://schemas.microsoft.com/office/powerpoint/2010/main" val="788494252"/>
+                <p14:modId xmlns:p14="http://schemas.microsoft.com/office/powerpoint/2010/main" val="3064842308"/>
               </p:ext>
             </p:extLst>
           </p:nvPr>
         </p:nvGraphicFramePr>
         <p:xfrm>
           <a:off x="457200" y="1624417"/>
-          <a:ext cx="8346264" cy="2296160"/>
+          <a:ext cx="8346264" cy="2839720"/>
         </p:xfrm>
         <a:graphic>
           <a:graphicData uri="http://schemas.openxmlformats.org/drawingml/2006/table">
@@ -4429,11 +4472,71 @@
                     <a:p>
                       <a:r>
                         <a:rPr lang="en-US" dirty="0" smtClean="0"/>
-                        <a:t>Sudafed 30mg Oral Tablet take 2 tablets every 4-6 hours 30 MG Jan-18-2014</a:t>
+                        <a:t>Community Acquired Pneumonia Onset: February 27 2014 Active</a:t>
+                      </a:r>
+                      <a:endParaRPr lang="en-US" dirty="0"/>
+                    </a:p>
+                  </a:txBody>
+                  <a:tcPr/>
+                </a:tc>
+                <a:tc>
+                  <a:txBody>
+                    <a:bodyPr/>
+                    <a:lstStyle/>
+                    <a:p>
+                      <a:r>
+                        <a:rPr lang="en-US" dirty="0" smtClean="0">
+                          <a:solidFill>
+                            <a:srgbClr val="FF0000"/>
+                          </a:solidFill>
+                        </a:rPr>
+                        <a:t>Absent</a:t>
+                      </a:r>
+                      <a:endParaRPr lang="en-US" dirty="0">
+                        <a:solidFill>
+                          <a:srgbClr val="FF0000"/>
+                        </a:solidFill>
+                      </a:endParaRPr>
+                    </a:p>
+                  </a:txBody>
+                  <a:tcPr/>
+                </a:tc>
+                <a:tc>
+                  <a:txBody>
+                    <a:bodyPr/>
+                    <a:lstStyle/>
+                    <a:p>
+                      <a:r>
+                        <a:rPr lang="en-US" dirty="0" smtClean="0">
+                          <a:solidFill>
+                            <a:srgbClr val="FF0000"/>
+                          </a:solidFill>
+                        </a:rPr>
+                        <a:t>Community Acquired Pneumonia</a:t>
+                      </a:r>
+                      <a:endParaRPr lang="en-US" dirty="0">
+                        <a:solidFill>
+                          <a:srgbClr val="FF0000"/>
+                        </a:solidFill>
+                      </a:endParaRPr>
+                    </a:p>
+                  </a:txBody>
+                  <a:tcPr/>
+                </a:tc>
+              </a:tr>
+              <a:tr h="370840">
+                <a:tc>
+                  <a:txBody>
+                    <a:bodyPr/>
+                    <a:lstStyle/>
+                    <a:p>
+                      <a:r>
+                        <a:rPr lang="en-US" dirty="0" smtClean="0"/>
+                        <a:t>……below is the</a:t>
                       </a:r>
                       <a:r>
                         <a:rPr lang="en-US" baseline="0" dirty="0" smtClean="0"/>
-                        <a:t> - Active</a:t>
+                        <a:t> ideal state</a:t>
                       </a:r>
                       <a:endParaRPr lang="en-US" dirty="0"/>
                     </a:p>
@@ -4445,10 +4548,51 @@
                     <a:bodyPr/>
                     <a:lstStyle/>
                     <a:p>
+                      <a:endParaRPr lang="en-US" dirty="0"/>
+                    </a:p>
+                  </a:txBody>
+                  <a:tcPr/>
+                </a:tc>
+                <a:tc>
+                  <a:txBody>
+                    <a:bodyPr/>
+                    <a:lstStyle/>
+                    <a:p>
+                      <a:endParaRPr lang="en-US" dirty="0"/>
+                    </a:p>
+                  </a:txBody>
+                  <a:tcPr/>
+                </a:tc>
+              </a:tr>
+              <a:tr h="370840">
+                <a:tc>
+                  <a:txBody>
+                    <a:bodyPr/>
+                    <a:lstStyle/>
+                    <a:p>
+                      <a:pPr marL="0" marR="0" indent="0" algn="l" defTabSz="457200" rtl="0" eaLnBrk="1" fontAlgn="auto" latinLnBrk="0" hangingPunct="1">
+                        <a:lnSpc>
+                          <a:spcPct val="100000"/>
+                        </a:lnSpc>
+                        <a:spcBef>
+                          <a:spcPts val="0"/>
+                        </a:spcBef>
+                        <a:spcAft>
+                          <a:spcPts val="0"/>
+                        </a:spcAft>
+                        <a:buClrTx/>
+                        <a:buSzTx/>
+                        <a:buFontTx/>
+                        <a:buNone/>
+                        <a:tabLst/>
+                        <a:defRPr/>
+                      </a:pPr>
                       <a:r>
                         <a:rPr lang="en-US" dirty="0" smtClean="0"/>
-                        <a:t>Sudafed 30mg Oral Tablet</a:t>
+                        <a:t>Community Acquired Pneumonia Onset: February 27 2014 Active</a:t>
                       </a:r>
+                    </a:p>
+                    <a:p>
                       <a:endParaRPr lang="en-US" dirty="0"/>
                     </a:p>
                   </a:txBody>
@@ -4460,73 +4604,23 @@
                     <a:lstStyle/>
                     <a:p>
                       <a:r>
-                        <a:rPr lang="nb-NO" dirty="0" smtClean="0"/>
-                        <a:t>Sudafed 30 MG Oral Tablet</a:t>
+                        <a:rPr lang="en-US" dirty="0" smtClean="0"/>
+                        <a:t>Community Acquired Pneumonia</a:t>
                       </a:r>
                       <a:endParaRPr lang="en-US" dirty="0"/>
                     </a:p>
                   </a:txBody>
                   <a:tcPr/>
                 </a:tc>
-              </a:tr>
-              <a:tr h="370840">
-                <a:tc>
-                  <a:txBody>
-                    <a:bodyPr/>
-                    <a:lstStyle/>
-                    <a:p>
-                      <a:endParaRPr lang="en-US" dirty="0"/>
-                    </a:p>
-                  </a:txBody>
-                  <a:tcPr/>
-                </a:tc>
-                <a:tc>
-                  <a:txBody>
-                    <a:bodyPr/>
-                    <a:lstStyle/>
-                    <a:p>
-                      <a:endParaRPr lang="en-US" dirty="0"/>
-                    </a:p>
-                  </a:txBody>
-                  <a:tcPr/>
-                </a:tc>
-                <a:tc>
-                  <a:txBody>
-                    <a:bodyPr/>
-                    <a:lstStyle/>
-                    <a:p>
-                      <a:endParaRPr lang="en-US" dirty="0"/>
-                    </a:p>
-                  </a:txBody>
-                  <a:tcPr/>
-                </a:tc>
-              </a:tr>
-              <a:tr h="370840">
-                <a:tc>
-                  <a:txBody>
-                    <a:bodyPr/>
-                    <a:lstStyle/>
-                    <a:p>
-                      <a:endParaRPr lang="en-US" dirty="0"/>
-                    </a:p>
-                  </a:txBody>
-                  <a:tcPr/>
-                </a:tc>
-                <a:tc>
-                  <a:txBody>
-                    <a:bodyPr/>
-                    <a:lstStyle/>
-                    <a:p>
-                      <a:endParaRPr lang="en-US" dirty="0"/>
-                    </a:p>
-                  </a:txBody>
-                  <a:tcPr/>
-                </a:tc>
-                <a:tc>
-                  <a:txBody>
-                    <a:bodyPr/>
-                    <a:lstStyle/>
-                    <a:p>
+                <a:tc>
+                  <a:txBody>
+                    <a:bodyPr/>
+                    <a:lstStyle/>
+                    <a:p>
+                      <a:r>
+                        <a:rPr lang="en-US" dirty="0" smtClean="0"/>
+                        <a:t>Community acquired pneumonia</a:t>
+                      </a:r>
                       <a:endParaRPr lang="en-US" dirty="0"/>
                     </a:p>
                   </a:txBody>
@@ -4545,8 +4639,8 @@
         </p:nvSpPr>
         <p:spPr>
           <a:xfrm>
-            <a:off x="517109" y="990074"/>
-            <a:ext cx="6792244" cy="461665"/>
+            <a:off x="517109" y="957613"/>
+            <a:ext cx="4273286" cy="461665"/>
           </a:xfrm>
           <a:prstGeom prst="rect">
             <a:avLst/>
@@ -4560,10 +4654,15 @@
           <a:lstStyle/>
           <a:p>
             <a:r>
-              <a:rPr lang="en-US" dirty="0">
+              <a:rPr lang="en-US" dirty="0" smtClean="0">
+                <a:solidFill>
+                  <a:srgbClr val="000000"/>
+                </a:solidFill>
+                <a:latin typeface="Tw Cen MT"/>
+                <a:cs typeface="Tw Cen MT"/>
                 <a:hlinkClick r:id="rId2"/>
               </a:rPr>
-              <a:t>Patient prescribed medication every 4 to 6 hours</a:t>
+              <a:t>Transition of Care Active Problem</a:t>
             </a:r>
             <a:endParaRPr lang="en-US" dirty="0" smtClean="0">
               <a:solidFill>
@@ -4575,51 +4674,23 @@
           </a:p>
         </p:txBody>
       </p:sp>
-      <p:sp>
-        <p:nvSpPr>
-          <p:cNvPr id="5" name="TextBox 4"/>
-          <p:cNvSpPr txBox="1"/>
-          <p:nvPr/>
-        </p:nvSpPr>
-        <p:spPr>
-          <a:xfrm>
-            <a:off x="517109" y="4218852"/>
-            <a:ext cx="8286355" cy="461665"/>
-          </a:xfrm>
-          <a:prstGeom prst="rect">
-            <a:avLst/>
-          </a:prstGeom>
-          <a:noFill/>
-        </p:spPr>
-        <p:txBody>
-          <a:bodyPr wrap="square" rtlCol="0">
-            <a:spAutoFit/>
-          </a:bodyPr>
-          <a:lstStyle/>
-          <a:p>
-            <a:r>
-              <a:rPr lang="en-US" sz="1200" dirty="0" smtClean="0">
-                <a:solidFill>
-                  <a:srgbClr val="000000"/>
-                </a:solidFill>
-                <a:latin typeface="Tw Cen MT"/>
-                <a:cs typeface="Tw Cen MT"/>
-              </a:rPr>
-              <a:t>Note: originaltext is on code of the ManufacturedMaterial, i.e, inside the consumable; notice also the subtle difference between originalText and @displayName</a:t>
-            </a:r>
-          </a:p>
-        </p:txBody>
-      </p:sp>
     </p:spTree>
     <p:extLst>
       <p:ext uri="{BB962C8B-B14F-4D97-AF65-F5344CB8AC3E}">
-        <p14:creationId xmlns:p14="http://schemas.microsoft.com/office/powerpoint/2010/main" val="3509170711"/>
+        <p14:creationId xmlns:p14="http://schemas.microsoft.com/office/powerpoint/2010/main" val="927259046"/>
       </p:ext>
     </p:extLst>
   </p:cSld>
   <p:clrMapOvr>
     <a:masterClrMapping/>
   </p:clrMapOvr>
+  <p:timing>
+    <p:tnLst>
+      <p:par>
+        <p:cTn id="1" dur="indefinite" restart="never" nodeType="tmRoot"/>
+      </p:par>
+    </p:tnLst>
+  </p:timing>
 </p:sld>
 </file>
 
@@ -4657,7 +4728,7 @@
           <a:p>
             <a:r>
               <a:rPr lang="en-US" b="1" dirty="0"/>
-              <a:t>IMMUNIZATIONS</a:t>
+              <a:t>MEDICATIONS</a:t>
             </a:r>
             <a:endParaRPr lang="en-US" dirty="0"/>
           </a:p>
@@ -4672,14 +4743,14 @@
           <p:nvPr>
             <p:extLst>
               <p:ext uri="{D42A27DB-BD31-4B8C-83A1-F6EECF244321}">
-                <p14:modId xmlns:p14="http://schemas.microsoft.com/office/powerpoint/2010/main" val="2979407970"/>
+                <p14:modId xmlns:p14="http://schemas.microsoft.com/office/powerpoint/2010/main" val="788494252"/>
               </p:ext>
             </p:extLst>
           </p:nvPr>
         </p:nvGraphicFramePr>
         <p:xfrm>
           <a:off x="457200" y="1624417"/>
-          <a:ext cx="8346264" cy="2565400"/>
+          <a:ext cx="8346264" cy="2296160"/>
         </p:xfrm>
         <a:graphic>
           <a:graphicData uri="http://schemas.openxmlformats.org/drawingml/2006/table">
@@ -4744,35 +4815,13 @@
                     <a:p>
                       <a:r>
                         <a:rPr lang="en-US" dirty="0" smtClean="0"/>
-                        <a:t>Influenza</a:t>
+                        <a:t>Sudafed 30mg Oral Tablet take 2 tablets every 4-6 hours 30 MG Jan-18-2014</a:t>
                       </a:r>
                       <a:r>
                         <a:rPr lang="en-US" baseline="0" dirty="0" smtClean="0"/>
-                        <a:t> Virus Vaccine 1 8/15/2010 Completed</a:t>
+                        <a:t> - Active</a:t>
                       </a:r>
                       <a:endParaRPr lang="en-US" dirty="0"/>
-                    </a:p>
-                  </a:txBody>
-                  <a:tcPr/>
-                </a:tc>
-                <a:tc>
-                  <a:txBody>
-                    <a:bodyPr/>
-                    <a:lstStyle/>
-                    <a:p>
-                      <a:r>
-                        <a:rPr lang="en-US" dirty="0" smtClean="0">
-                          <a:solidFill>
-                            <a:srgbClr val="FF0000"/>
-                          </a:solidFill>
-                        </a:rPr>
-                        <a:t>Absent</a:t>
-                      </a:r>
-                      <a:endParaRPr lang="en-US" dirty="0">
-                        <a:solidFill>
-                          <a:srgbClr val="FF0000"/>
-                        </a:solidFill>
-                      </a:endParaRPr>
                     </a:p>
                   </a:txBody>
                   <a:tcPr/>
@@ -4784,7 +4833,21 @@
                     <a:p>
                       <a:r>
                         <a:rPr lang="en-US" dirty="0" smtClean="0"/>
-                        <a:t>Influenza virus vaccine</a:t>
+                        <a:t>Sudafed 30mg Oral Tablet</a:t>
+                      </a:r>
+                      <a:endParaRPr lang="en-US" dirty="0"/>
+                    </a:p>
+                  </a:txBody>
+                  <a:tcPr/>
+                </a:tc>
+                <a:tc>
+                  <a:txBody>
+                    <a:bodyPr/>
+                    <a:lstStyle/>
+                    <a:p>
+                      <a:r>
+                        <a:rPr lang="nb-NO" dirty="0" smtClean="0"/>
+                        <a:t>Sudafed 30 MG Oral Tablet</a:t>
                       </a:r>
                       <a:endParaRPr lang="en-US" dirty="0"/>
                     </a:p>
@@ -4798,10 +4861,6 @@
                     <a:bodyPr/>
                     <a:lstStyle/>
                     <a:p>
-                      <a:r>
-                        <a:rPr lang="en-US" dirty="0" smtClean="0"/>
-                        <a:t>…..better represented as</a:t>
-                      </a:r>
                       <a:endParaRPr lang="en-US" dirty="0"/>
                     </a:p>
                   </a:txBody>
@@ -4834,62 +4893,26 @@
                     <a:bodyPr/>
                     <a:lstStyle/>
                     <a:p>
-                      <a:pPr marL="0" marR="0" indent="0" algn="l" defTabSz="457200" rtl="0" eaLnBrk="1" fontAlgn="auto" latinLnBrk="0" hangingPunct="1">
-                        <a:lnSpc>
-                          <a:spcPct val="100000"/>
-                        </a:lnSpc>
-                        <a:spcBef>
-                          <a:spcPts val="0"/>
-                        </a:spcBef>
-                        <a:spcAft>
-                          <a:spcPts val="0"/>
-                        </a:spcAft>
-                        <a:buClrTx/>
-                        <a:buSzTx/>
-                        <a:buFontTx/>
-                        <a:buNone/>
-                        <a:tabLst/>
-                        <a:defRPr/>
-                      </a:pPr>
-                      <a:r>
-                        <a:rPr lang="en-US" dirty="0" smtClean="0"/>
-                        <a:t>Influenza</a:t>
-                      </a:r>
-                      <a:r>
-                        <a:rPr lang="en-US" baseline="0" dirty="0" smtClean="0"/>
-                        <a:t> Virus Vaccine Lot #1 8/15/2010 Completed</a:t>
-                      </a:r>
-                      <a:endParaRPr lang="en-US" dirty="0" smtClean="0"/>
-                    </a:p>
-                    <a:p>
-                      <a:endParaRPr lang="en-US" dirty="0"/>
-                    </a:p>
-                  </a:txBody>
-                  <a:tcPr/>
-                </a:tc>
-                <a:tc>
-                  <a:txBody>
-                    <a:bodyPr/>
-                    <a:lstStyle/>
-                    <a:p>
-                      <a:r>
-                        <a:rPr lang="en-US" dirty="0" smtClean="0"/>
-                        <a:t>Influenza Virus Vaccine</a:t>
-                      </a:r>
-                      <a:endParaRPr lang="en-US" dirty="0"/>
-                    </a:p>
-                  </a:txBody>
-                  <a:tcPr/>
-                </a:tc>
-                <a:tc>
-                  <a:txBody>
-                    <a:bodyPr/>
-                    <a:lstStyle/>
-                    <a:p>
-                      <a:r>
-                        <a:rPr lang="en-US" dirty="0" smtClean="0"/>
-                        <a:t>influenza, unspecified formulation</a:t>
-                      </a:r>
+                      <a:endParaRPr lang="en-US" dirty="0"/>
+                    </a:p>
+                  </a:txBody>
+                  <a:tcPr/>
+                </a:tc>
+                <a:tc>
+                  <a:txBody>
+                    <a:bodyPr/>
+                    <a:lstStyle/>
+                    <a:p>
+                      <a:endParaRPr lang="en-US" dirty="0"/>
+                    </a:p>
+                  </a:txBody>
+                  <a:tcPr/>
+                </a:tc>
+                <a:tc>
+                  <a:txBody>
+                    <a:bodyPr/>
+                    <a:lstStyle/>
+                    <a:p>
                       <a:endParaRPr lang="en-US" dirty="0"/>
                     </a:p>
                   </a:txBody>
@@ -4908,8 +4931,8 @@
         </p:nvSpPr>
         <p:spPr>
           <a:xfrm>
-            <a:off x="457200" y="1028700"/>
-            <a:ext cx="4666277" cy="461665"/>
+            <a:off x="517109" y="990074"/>
+            <a:ext cx="6792244" cy="461665"/>
           </a:xfrm>
           <a:prstGeom prst="rect">
             <a:avLst/>
@@ -4926,7 +4949,7 @@
               <a:rPr lang="en-US" dirty="0">
                 <a:hlinkClick r:id="rId2"/>
               </a:rPr>
-              <a:t>Influenza Vaccination Completed</a:t>
+              <a:t>Patient prescribed medication every 4 to 6 hours</a:t>
             </a:r>
             <a:endParaRPr lang="en-US" dirty="0" smtClean="0">
               <a:solidFill>
@@ -4938,10 +4961,45 @@
           </a:p>
         </p:txBody>
       </p:sp>
+      <p:sp>
+        <p:nvSpPr>
+          <p:cNvPr id="5" name="TextBox 4"/>
+          <p:cNvSpPr txBox="1"/>
+          <p:nvPr/>
+        </p:nvSpPr>
+        <p:spPr>
+          <a:xfrm>
+            <a:off x="517109" y="4218852"/>
+            <a:ext cx="8286355" cy="461665"/>
+          </a:xfrm>
+          <a:prstGeom prst="rect">
+            <a:avLst/>
+          </a:prstGeom>
+          <a:noFill/>
+        </p:spPr>
+        <p:txBody>
+          <a:bodyPr wrap="square" rtlCol="0">
+            <a:spAutoFit/>
+          </a:bodyPr>
+          <a:lstStyle/>
+          <a:p>
+            <a:r>
+              <a:rPr lang="en-US" sz="1200" dirty="0" smtClean="0">
+                <a:solidFill>
+                  <a:srgbClr val="000000"/>
+                </a:solidFill>
+                <a:latin typeface="Tw Cen MT"/>
+                <a:cs typeface="Tw Cen MT"/>
+              </a:rPr>
+              <a:t>Note: originaltext is on code of the ManufacturedMaterial, i.e, inside the consumable; notice also the subtle difference between originalText and @displayName</a:t>
+            </a:r>
+          </a:p>
+        </p:txBody>
+      </p:sp>
     </p:spTree>
     <p:extLst>
       <p:ext uri="{BB962C8B-B14F-4D97-AF65-F5344CB8AC3E}">
-        <p14:creationId xmlns:p14="http://schemas.microsoft.com/office/powerpoint/2010/main" val="3554847207"/>
+        <p14:creationId xmlns:p14="http://schemas.microsoft.com/office/powerpoint/2010/main" val="3509170711"/>
       </p:ext>
     </p:extLst>
   </p:cSld>
@@ -4985,7 +5043,7 @@
           <a:p>
             <a:r>
               <a:rPr lang="en-US" b="1" dirty="0"/>
-              <a:t>PROCEDURES</a:t>
+              <a:t>IMMUNIZATIONS</a:t>
             </a:r>
             <a:endParaRPr lang="en-US" dirty="0"/>
           </a:p>
@@ -5000,14 +5058,14 @@
           <p:nvPr>
             <p:extLst>
               <p:ext uri="{D42A27DB-BD31-4B8C-83A1-F6EECF244321}">
-                <p14:modId xmlns:p14="http://schemas.microsoft.com/office/powerpoint/2010/main" val="3797791719"/>
+                <p14:modId xmlns:p14="http://schemas.microsoft.com/office/powerpoint/2010/main" val="2979407970"/>
               </p:ext>
             </p:extLst>
           </p:nvPr>
         </p:nvGraphicFramePr>
         <p:xfrm>
           <a:off x="457200" y="1624417"/>
-          <a:ext cx="8346264" cy="2570480"/>
+          <a:ext cx="8346264" cy="2565400"/>
         </p:xfrm>
         <a:graphic>
           <a:graphicData uri="http://schemas.openxmlformats.org/drawingml/2006/table">
@@ -5072,16 +5130,124 @@
                     <a:p>
                       <a:r>
                         <a:rPr lang="en-US" dirty="0" smtClean="0"/>
-                        <a:t>Laparoscopic appendectomy </a:t>
+                        <a:t>Influenza</a:t>
                       </a:r>
                       <a:r>
-                        <a:rPr lang="de-DE" dirty="0" smtClean="0"/>
-                        <a:t>&gt;(03 Feb 2014 09:22am- 03 Feb 2014 11:15am)</a:t>
+                        <a:rPr lang="en-US" baseline="0" dirty="0" smtClean="0"/>
+                        <a:t> Virus Vaccine 1 8/15/2010 Completed</a:t>
+                      </a:r>
+                      <a:endParaRPr lang="en-US" dirty="0"/>
+                    </a:p>
+                  </a:txBody>
+                  <a:tcPr/>
+                </a:tc>
+                <a:tc>
+                  <a:txBody>
+                    <a:bodyPr/>
+                    <a:lstStyle/>
+                    <a:p>
+                      <a:r>
+                        <a:rPr lang="en-US" dirty="0" smtClean="0">
+                          <a:solidFill>
+                            <a:srgbClr val="FF0000"/>
+                          </a:solidFill>
+                        </a:rPr>
+                        <a:t>Absent</a:t>
+                      </a:r>
+                      <a:endParaRPr lang="en-US" dirty="0">
+                        <a:solidFill>
+                          <a:srgbClr val="FF0000"/>
+                        </a:solidFill>
+                      </a:endParaRPr>
+                    </a:p>
+                  </a:txBody>
+                  <a:tcPr/>
+                </a:tc>
+                <a:tc>
+                  <a:txBody>
+                    <a:bodyPr/>
+                    <a:lstStyle/>
+                    <a:p>
+                      <a:r>
+                        <a:rPr lang="en-US" dirty="0" smtClean="0"/>
+                        <a:t>Influenza virus vaccine</a:t>
+                      </a:r>
+                      <a:endParaRPr lang="en-US" dirty="0"/>
+                    </a:p>
+                  </a:txBody>
+                  <a:tcPr/>
+                </a:tc>
+              </a:tr>
+              <a:tr h="370840">
+                <a:tc>
+                  <a:txBody>
+                    <a:bodyPr/>
+                    <a:lstStyle/>
+                    <a:p>
+                      <a:r>
+                        <a:rPr lang="en-US" dirty="0" smtClean="0"/>
+                        <a:t>…..better represented as</a:t>
+                      </a:r>
+                      <a:endParaRPr lang="en-US" dirty="0"/>
+                    </a:p>
+                  </a:txBody>
+                  <a:tcPr/>
+                </a:tc>
+                <a:tc>
+                  <a:txBody>
+                    <a:bodyPr/>
+                    <a:lstStyle/>
+                    <a:p>
+                      <a:endParaRPr lang="en-US" dirty="0"/>
+                    </a:p>
+                  </a:txBody>
+                  <a:tcPr/>
+                </a:tc>
+                <a:tc>
+                  <a:txBody>
+                    <a:bodyPr/>
+                    <a:lstStyle/>
+                    <a:p>
+                      <a:endParaRPr lang="en-US" dirty="0"/>
+                    </a:p>
+                  </a:txBody>
+                  <a:tcPr/>
+                </a:tc>
+              </a:tr>
+              <a:tr h="370840">
+                <a:tc>
+                  <a:txBody>
+                    <a:bodyPr/>
+                    <a:lstStyle/>
+                    <a:p>
+                      <a:pPr marL="0" marR="0" indent="0" algn="l" defTabSz="457200" rtl="0" eaLnBrk="1" fontAlgn="auto" latinLnBrk="0" hangingPunct="1">
+                        <a:lnSpc>
+                          <a:spcPct val="100000"/>
+                        </a:lnSpc>
+                        <a:spcBef>
+                          <a:spcPts val="0"/>
+                        </a:spcBef>
+                        <a:spcAft>
+                          <a:spcPts val="0"/>
+                        </a:spcAft>
+                        <a:buClrTx/>
+                        <a:buSzTx/>
+                        <a:buFontTx/>
+                        <a:buNone/>
+                        <a:tabLst/>
+                        <a:defRPr/>
+                      </a:pPr>
+                      <a:r>
+                        <a:rPr lang="en-US" dirty="0" smtClean="0"/>
+                        <a:t>Influenza</a:t>
                       </a:r>
                       <a:r>
-                        <a:rPr lang="de-DE" baseline="0" dirty="0" smtClean="0"/>
-                        <a:t> Completed</a:t>
+                        <a:rPr lang="en-US" baseline="0" dirty="0" smtClean="0"/>
+                        <a:t> Virus Vaccine Lot #1 8/15/2010 Completed</a:t>
                       </a:r>
+                      <a:endParaRPr lang="en-US" dirty="0" smtClean="0"/>
+                    </a:p>
+                    <a:p>
                       <a:endParaRPr lang="en-US" dirty="0"/>
                     </a:p>
                   </a:txBody>
@@ -5094,7 +5260,7 @@
                     <a:p>
                       <a:r>
                         <a:rPr lang="en-US" dirty="0" smtClean="0"/>
-                        <a:t>Laparoscopic appendectomy</a:t>
+                        <a:t>Influenza Virus Vaccine</a:t>
                       </a:r>
                       <a:endParaRPr lang="en-US" dirty="0"/>
                     </a:p>
@@ -5108,72 +5274,8 @@
                     <a:p>
                       <a:r>
                         <a:rPr lang="en-US" dirty="0" smtClean="0"/>
-                        <a:t>Laparoscopic appendectomy</a:t>
+                        <a:t>influenza, unspecified formulation</a:t>
                       </a:r>
-                      <a:endParaRPr lang="en-US" dirty="0"/>
-                    </a:p>
-                  </a:txBody>
-                  <a:tcPr/>
-                </a:tc>
-              </a:tr>
-              <a:tr h="370840">
-                <a:tc>
-                  <a:txBody>
-                    <a:bodyPr/>
-                    <a:lstStyle/>
-                    <a:p>
-                      <a:endParaRPr lang="en-US" dirty="0"/>
-                    </a:p>
-                  </a:txBody>
-                  <a:tcPr/>
-                </a:tc>
-                <a:tc>
-                  <a:txBody>
-                    <a:bodyPr/>
-                    <a:lstStyle/>
-                    <a:p>
-                      <a:endParaRPr lang="en-US" dirty="0"/>
-                    </a:p>
-                  </a:txBody>
-                  <a:tcPr/>
-                </a:tc>
-                <a:tc>
-                  <a:txBody>
-                    <a:bodyPr/>
-                    <a:lstStyle/>
-                    <a:p>
-                      <a:endParaRPr lang="en-US" dirty="0"/>
-                    </a:p>
-                  </a:txBody>
-                  <a:tcPr/>
-                </a:tc>
-              </a:tr>
-              <a:tr h="370840">
-                <a:tc>
-                  <a:txBody>
-                    <a:bodyPr/>
-                    <a:lstStyle/>
-                    <a:p>
-                      <a:endParaRPr lang="en-US" dirty="0"/>
-                    </a:p>
-                  </a:txBody>
-                  <a:tcPr/>
-                </a:tc>
-                <a:tc>
-                  <a:txBody>
-                    <a:bodyPr/>
-                    <a:lstStyle/>
-                    <a:p>
-                      <a:endParaRPr lang="en-US" dirty="0"/>
-                    </a:p>
-                  </a:txBody>
-                  <a:tcPr/>
-                </a:tc>
-                <a:tc>
-                  <a:txBody>
-                    <a:bodyPr/>
-                    <a:lstStyle/>
-                    <a:p>
                       <a:endParaRPr lang="en-US" dirty="0"/>
                     </a:p>
                   </a:txBody>
@@ -5192,8 +5294,8 @@
         </p:nvSpPr>
         <p:spPr>
           <a:xfrm>
-            <a:off x="507206" y="1014413"/>
-            <a:ext cx="8538556" cy="461665"/>
+            <a:off x="457200" y="1028700"/>
+            <a:ext cx="4666277" cy="461665"/>
           </a:xfrm>
           <a:prstGeom prst="rect">
             <a:avLst/>
@@ -5210,7 +5312,7 @@
               <a:rPr lang="en-US" dirty="0">
                 <a:hlinkClick r:id="rId2"/>
               </a:rPr>
-              <a:t>Procedure Activity Procedure Example in Procedures Section</a:t>
+              <a:t>Influenza Vaccination Completed</a:t>
             </a:r>
             <a:endParaRPr lang="en-US" dirty="0" smtClean="0">
               <a:solidFill>
@@ -5225,7 +5327,7 @@
     </p:spTree>
     <p:extLst>
       <p:ext uri="{BB962C8B-B14F-4D97-AF65-F5344CB8AC3E}">
-        <p14:creationId xmlns:p14="http://schemas.microsoft.com/office/powerpoint/2010/main" val="885313325"/>
+        <p14:creationId xmlns:p14="http://schemas.microsoft.com/office/powerpoint/2010/main" val="3554847207"/>
       </p:ext>
     </p:extLst>
   </p:cSld>
@@ -5269,7 +5371,7 @@
           <a:p>
             <a:r>
               <a:rPr lang="en-US" b="1" dirty="0"/>
-              <a:t>RESULTS</a:t>
+              <a:t>PROCEDURES</a:t>
             </a:r>
             <a:endParaRPr lang="en-US" dirty="0"/>
           </a:p>
@@ -5284,14 +5386,14 @@
           <p:nvPr>
             <p:extLst>
               <p:ext uri="{D42A27DB-BD31-4B8C-83A1-F6EECF244321}">
-                <p14:modId xmlns:p14="http://schemas.microsoft.com/office/powerpoint/2010/main" val="314547665"/>
+                <p14:modId xmlns:p14="http://schemas.microsoft.com/office/powerpoint/2010/main" val="3797791719"/>
               </p:ext>
             </p:extLst>
           </p:nvPr>
         </p:nvGraphicFramePr>
         <p:xfrm>
           <a:off x="457200" y="1624417"/>
-          <a:ext cx="8346264" cy="2296160"/>
+          <a:ext cx="8346264" cy="2570480"/>
         </p:xfrm>
         <a:graphic>
           <a:graphicData uri="http://schemas.openxmlformats.org/drawingml/2006/table">
@@ -5356,7 +5458,15 @@
                     <a:p>
                       <a:r>
                         <a:rPr lang="en-US" dirty="0" smtClean="0"/>
-                        <a:t>Na 140 mmol/L Normal 135-145 mmol/L</a:t>
+                        <a:t>Laparoscopic appendectomy </a:t>
+                      </a:r>
+                      <a:r>
+                        <a:rPr lang="de-DE" dirty="0" smtClean="0"/>
+                        <a:t>&gt;(03 Feb 2014 09:22am- 03 Feb 2014 11:15am)</a:t>
+                      </a:r>
+                      <a:r>
+                        <a:rPr lang="de-DE" baseline="0" dirty="0" smtClean="0"/>
+                        <a:t> Completed</a:t>
                       </a:r>
                       <a:endParaRPr lang="en-US" dirty="0"/>
                     </a:p>
@@ -5370,7 +5480,7 @@
                     <a:p>
                       <a:r>
                         <a:rPr lang="en-US" dirty="0" smtClean="0"/>
-                        <a:t>Na</a:t>
+                        <a:t>Laparoscopic appendectomy</a:t>
                       </a:r>
                       <a:endParaRPr lang="en-US" dirty="0"/>
                     </a:p>
@@ -5383,8 +5493,8 @@
                     <a:lstStyle/>
                     <a:p>
                       <a:r>
-                        <a:rPr lang="nl-NL" dirty="0" smtClean="0"/>
-                        <a:t>Sodium [Moles/​volume] in Blood</a:t>
+                        <a:rPr lang="en-US" dirty="0" smtClean="0"/>
+                        <a:t>Laparoscopic appendectomy</a:t>
                       </a:r>
                       <a:endParaRPr lang="en-US" dirty="0"/>
                     </a:p>
@@ -5468,8 +5578,8 @@
         </p:nvSpPr>
         <p:spPr>
           <a:xfrm>
-            <a:off x="542925" y="992981"/>
-            <a:ext cx="6417783" cy="461665"/>
+            <a:off x="507206" y="1014413"/>
+            <a:ext cx="8538556" cy="461665"/>
           </a:xfrm>
           <a:prstGeom prst="rect">
             <a:avLst/>
@@ -5486,7 +5596,7 @@
               <a:rPr lang="en-US" dirty="0">
                 <a:hlinkClick r:id="rId2"/>
               </a:rPr>
-              <a:t>Basic Metabolic Panel with Troponin Example</a:t>
+              <a:t>Procedure Activity Procedure Example in Procedures Section</a:t>
             </a:r>
             <a:endParaRPr lang="en-US" dirty="0" smtClean="0">
               <a:solidFill>
@@ -5501,7 +5611,7 @@
     </p:spTree>
     <p:extLst>
       <p:ext uri="{BB962C8B-B14F-4D97-AF65-F5344CB8AC3E}">
-        <p14:creationId xmlns:p14="http://schemas.microsoft.com/office/powerpoint/2010/main" val="3230154264"/>
+        <p14:creationId xmlns:p14="http://schemas.microsoft.com/office/powerpoint/2010/main" val="885313325"/>
       </p:ext>
     </p:extLst>
   </p:cSld>
@@ -6119,6 +6229,61 @@
 </file>
 
 <file path=customXml/item1.xml><?xml version="1.0" encoding="utf-8"?>
+<?mso-contentType ?>
+<FormTemplates xmlns="http://schemas.microsoft.com/sharepoint/v3/contenttype/forms">
+  <Display>DocumentLibraryForm</Display>
+  <Edit>DocumentLibraryForm</Edit>
+  <New>DocumentLibraryForm</New>
+</FormTemplates>
+</file>
+
+<file path=customXml/item2.xml><?xml version="1.0" encoding="utf-8"?>
+<?mso-contentType ?>
+<spe:Receivers xmlns:spe="http://schemas.microsoft.com/sharepoint/events">
+  <Receiver>
+    <Name>Document ID Generator</Name>
+    <Synchronization>Synchronous</Synchronization>
+    <Type>10001</Type>
+    <SequenceNumber>1000</SequenceNumber>
+    <Assembly>Microsoft.Office.DocumentManagement, Version=14.0.0.0, Culture=neutral, PublicKeyToken=71e9bce111e9429c</Assembly>
+    <Class>Microsoft.Office.DocumentManagement.Internal.DocIdHandler</Class>
+    <Data/>
+    <Filter/>
+  </Receiver>
+  <Receiver>
+    <Name>Document ID Generator</Name>
+    <Synchronization>Synchronous</Synchronization>
+    <Type>10002</Type>
+    <SequenceNumber>1001</SequenceNumber>
+    <Assembly>Microsoft.Office.DocumentManagement, Version=14.0.0.0, Culture=neutral, PublicKeyToken=71e9bce111e9429c</Assembly>
+    <Class>Microsoft.Office.DocumentManagement.Internal.DocIdHandler</Class>
+    <Data/>
+    <Filter/>
+  </Receiver>
+  <Receiver>
+    <Name>Document ID Generator</Name>
+    <Synchronization>Synchronous</Synchronization>
+    <Type>10004</Type>
+    <SequenceNumber>1002</SequenceNumber>
+    <Assembly>Microsoft.Office.DocumentManagement, Version=14.0.0.0, Culture=neutral, PublicKeyToken=71e9bce111e9429c</Assembly>
+    <Class>Microsoft.Office.DocumentManagement.Internal.DocIdHandler</Class>
+    <Data/>
+    <Filter/>
+  </Receiver>
+  <Receiver>
+    <Name>Document ID Generator</Name>
+    <Synchronization>Synchronous</Synchronization>
+    <Type>10006</Type>
+    <SequenceNumber>1003</SequenceNumber>
+    <Assembly>Microsoft.Office.DocumentManagement, Version=14.0.0.0, Culture=neutral, PublicKeyToken=71e9bce111e9429c</Assembly>
+    <Class>Microsoft.Office.DocumentManagement.Internal.DocIdHandler</Class>
+    <Data/>
+    <Filter/>
+  </Receiver>
+</spe:Receivers>
+</file>
+
+<file path=customXml/item3.xml><?xml version="1.0" encoding="utf-8"?>
 <ct:contentTypeSchema xmlns:ct="http://schemas.microsoft.com/office/2006/metadata/contentType" xmlns:ma="http://schemas.microsoft.com/office/2006/metadata/properties/metaAttributes" ct:_="" ma:_="" ma:contentTypeName="Document" ma:contentTypeID="0x010100B896DF2887951B4F8B3AE79024BE4A47" ma:contentTypeVersion="1" ma:contentTypeDescription="Create a new document." ma:contentTypeScope="" ma:versionID="9489538023c5f31558a25a7173e8873b">
   <xsd:schema xmlns:xsd="http://www.w3.org/2001/XMLSchema" xmlns:xs="http://www.w3.org/2001/XMLSchema" xmlns:p="http://schemas.microsoft.com/office/2006/metadata/properties" xmlns:ns1="http://schemas.microsoft.com/sharepoint/v3" xmlns:ns2="abd73a0c-998e-4a65-8be3-808082058c42" xmlns:ns3="79bc17fb-6efa-4477-9b44-a26b4c47767c" targetNamespace="http://schemas.microsoft.com/office/2006/metadata/properties" ma:root="true" ma:fieldsID="dc281a9c638f58ffdd347a0e0bb3db35" ns1:_="" ns2:_="" ns3:_="">
     <xsd:import namespace="http://schemas.microsoft.com/sharepoint/v3"/>
@@ -6314,62 +6479,23 @@
 </ct:contentTypeSchema>
 </file>
 
-<file path=customXml/item2.xml><?xml version="1.0" encoding="utf-8"?>
-<?mso-contentType ?>
-<spe:Receivers xmlns:spe="http://schemas.microsoft.com/sharepoint/events">
-  <Receiver>
-    <Name>Document ID Generator</Name>
-    <Synchronization>Synchronous</Synchronization>
-    <Type>10001</Type>
-    <SequenceNumber>1000</SequenceNumber>
-    <Assembly>Microsoft.Office.DocumentManagement, Version=14.0.0.0, Culture=neutral, PublicKeyToken=71e9bce111e9429c</Assembly>
-    <Class>Microsoft.Office.DocumentManagement.Internal.DocIdHandler</Class>
-    <Data/>
-    <Filter/>
-  </Receiver>
-  <Receiver>
-    <Name>Document ID Generator</Name>
-    <Synchronization>Synchronous</Synchronization>
-    <Type>10002</Type>
-    <SequenceNumber>1001</SequenceNumber>
-    <Assembly>Microsoft.Office.DocumentManagement, Version=14.0.0.0, Culture=neutral, PublicKeyToken=71e9bce111e9429c</Assembly>
-    <Class>Microsoft.Office.DocumentManagement.Internal.DocIdHandler</Class>
-    <Data/>
-    <Filter/>
-  </Receiver>
-  <Receiver>
-    <Name>Document ID Generator</Name>
-    <Synchronization>Synchronous</Synchronization>
-    <Type>10004</Type>
-    <SequenceNumber>1002</SequenceNumber>
-    <Assembly>Microsoft.Office.DocumentManagement, Version=14.0.0.0, Culture=neutral, PublicKeyToken=71e9bce111e9429c</Assembly>
-    <Class>Microsoft.Office.DocumentManagement.Internal.DocIdHandler</Class>
-    <Data/>
-    <Filter/>
-  </Receiver>
-  <Receiver>
-    <Name>Document ID Generator</Name>
-    <Synchronization>Synchronous</Synchronization>
-    <Type>10006</Type>
-    <SequenceNumber>1003</SequenceNumber>
-    <Assembly>Microsoft.Office.DocumentManagement, Version=14.0.0.0, Culture=neutral, PublicKeyToken=71e9bce111e9429c</Assembly>
-    <Class>Microsoft.Office.DocumentManagement.Internal.DocIdHandler</Class>
-    <Data/>
-    <Filter/>
-  </Receiver>
-</spe:Receivers>
+<file path=customXml/itemProps1.xml><?xml version="1.0" encoding="utf-8"?>
+<ds:datastoreItem xmlns:ds="http://schemas.openxmlformats.org/officeDocument/2006/customXml" ds:itemID="{EC452C79-FB37-4DF7-8A82-358EF9474146}">
+  <ds:schemaRefs>
+    <ds:schemaRef ds:uri="http://schemas.microsoft.com/sharepoint/v3/contenttype/forms"/>
+  </ds:schemaRefs>
+</ds:datastoreItem>
 </file>
 
-<file path=customXml/item3.xml><?xml version="1.0" encoding="utf-8"?>
-<?mso-contentType ?>
-<FormTemplates xmlns="http://schemas.microsoft.com/sharepoint/v3/contenttype/forms">
-  <Display>DocumentLibraryForm</Display>
-  <Edit>DocumentLibraryForm</Edit>
-  <New>DocumentLibraryForm</New>
-</FormTemplates>
+<file path=customXml/itemProps2.xml><?xml version="1.0" encoding="utf-8"?>
+<ds:datastoreItem xmlns:ds="http://schemas.openxmlformats.org/officeDocument/2006/customXml" ds:itemID="{EC92C3DA-5E61-4BC0-9282-0941F0CDF46B}">
+  <ds:schemaRefs>
+    <ds:schemaRef ds:uri="http://schemas.microsoft.com/sharepoint/events"/>
+  </ds:schemaRefs>
+</ds:datastoreItem>
 </file>
 
-<file path=customXml/itemProps1.xml><?xml version="1.0" encoding="utf-8"?>
+<file path=customXml/itemProps3.xml><?xml version="1.0" encoding="utf-8"?>
 <ds:datastoreItem xmlns:ds="http://schemas.openxmlformats.org/officeDocument/2006/customXml" ds:itemID="{1AD71F6A-EA3D-4467-B5D2-0EED818C3D35}">
   <ds:schemaRefs>
     <ds:schemaRef ds:uri="http://schemas.microsoft.com/office/2006/metadata/contentType"/>
@@ -6387,20 +6513,4 @@
     <ds:schemaRef ds:uri="http://schemas.microsoft.com/internal/obd"/>
   </ds:schemaRefs>
 </ds:datastoreItem>
-</file>
-
-<file path=customXml/itemProps2.xml><?xml version="1.0" encoding="utf-8"?>
-<ds:datastoreItem xmlns:ds="http://schemas.openxmlformats.org/officeDocument/2006/customXml" ds:itemID="{EC92C3DA-5E61-4BC0-9282-0941F0CDF46B}">
-  <ds:schemaRefs>
-    <ds:schemaRef ds:uri="http://schemas.microsoft.com/sharepoint/events"/>
-  </ds:schemaRefs>
-</ds:datastoreItem>
-</file>
-
-<file path=customXml/itemProps3.xml><?xml version="1.0" encoding="utf-8"?>
-<ds:datastoreItem xmlns:ds="http://schemas.openxmlformats.org/officeDocument/2006/customXml" ds:itemID="{EC452C79-FB37-4DF7-8A82-358EF9474146}">
-  <ds:schemaRefs>
-    <ds:schemaRef ds:uri="http://schemas.microsoft.com/sharepoint/v3/contenttype/forms"/>
-  </ds:schemaRefs>
-</ds:datastoreItem>
 </file>